--- a/Final Presentation NLP.pptx
+++ b/Final Presentation NLP.pptx
@@ -23,23 +23,28 @@
     <p:sldId id="268" r:id="rId18"/>
     <p:sldId id="269" r:id="rId19"/>
     <p:sldId id="270" r:id="rId20"/>
+    <p:sldId id="271" r:id="rId21"/>
+    <p:sldId id="272" r:id="rId22"/>
+    <p:sldId id="273" r:id="rId23"/>
+    <p:sldId id="274" r:id="rId24"/>
+    <p:sldId id="275" r:id="rId25"/>
   </p:sldIdLst>
   <p:sldSz cy="5143500" cx="9144000"/>
   <p:notesSz cx="6858000" cy="9144000"/>
   <p:embeddedFontLst>
     <p:embeddedFont>
       <p:font typeface="Raleway"/>
-      <p:regular r:id="rId21"/>
-      <p:bold r:id="rId22"/>
-      <p:italic r:id="rId23"/>
-      <p:boldItalic r:id="rId24"/>
+      <p:regular r:id="rId26"/>
+      <p:bold r:id="rId27"/>
+      <p:italic r:id="rId28"/>
+      <p:boldItalic r:id="rId29"/>
     </p:embeddedFont>
     <p:embeddedFont>
       <p:font typeface="Lato"/>
-      <p:regular r:id="rId25"/>
-      <p:bold r:id="rId26"/>
-      <p:italic r:id="rId27"/>
-      <p:boldItalic r:id="rId28"/>
+      <p:regular r:id="rId30"/>
+      <p:bold r:id="rId31"/>
+      <p:italic r:id="rId32"/>
+      <p:boldItalic r:id="rId33"/>
     </p:embeddedFont>
   </p:embeddedFontLst>
   <p:defaultTextStyle>
@@ -1230,7 +1235,7 @@
       </p:grpSpPr>
       <p:sp>
         <p:nvSpPr>
-          <p:cNvPr id="164" name="Google Shape;164;g124da5a1032_0_155:notes"/>
+          <p:cNvPr id="164" name="Google Shape;164;g124da5a1032_0_165:notes"/>
           <p:cNvSpPr/>
           <p:nvPr>
             <p:ph idx="2" type="sldImg"/>
@@ -1265,7 +1270,7 @@
       </p:sp>
       <p:sp>
         <p:nvSpPr>
-          <p:cNvPr id="165" name="Google Shape;165;g124da5a1032_0_155:notes"/>
+          <p:cNvPr id="165" name="Google Shape;165;g124da5a1032_0_165:notes"/>
           <p:cNvSpPr txBox="1"/>
           <p:nvPr>
             <p:ph idx="1" type="body"/>
@@ -1315,7 +1320,7 @@
   <p:cSld>
     <p:spTree>
       <p:nvGrpSpPr>
-        <p:cNvPr id="169" name="Shape 169"/>
+        <p:cNvPr id="170" name="Shape 170"/>
         <p:cNvGrpSpPr/>
         <p:nvPr/>
       </p:nvGrpSpPr>
@@ -1329,7 +1334,7 @@
       </p:grpSpPr>
       <p:sp>
         <p:nvSpPr>
-          <p:cNvPr id="170" name="Google Shape;170;g124da5a1032_0_134:notes"/>
+          <p:cNvPr id="171" name="Google Shape;171;g1250205e03b_0_3:notes"/>
           <p:cNvSpPr/>
           <p:nvPr>
             <p:ph idx="2" type="sldImg"/>
@@ -1364,7 +1369,403 @@
       </p:sp>
       <p:sp>
         <p:nvSpPr>
-          <p:cNvPr id="171" name="Google Shape;171;g124da5a1032_0_134:notes"/>
+          <p:cNvPr id="172" name="Google Shape;172;g1250205e03b_0_3:notes"/>
+          <p:cNvSpPr txBox="1"/>
+          <p:nvPr>
+            <p:ph idx="1" type="body"/>
+          </p:nvPr>
+        </p:nvSpPr>
+        <p:spPr>
+          <a:xfrm>
+            <a:off x="685800" y="4343400"/>
+            <a:ext cx="5486400" cy="4114800"/>
+          </a:xfrm>
+          <a:prstGeom prst="rect">
+            <a:avLst/>
+          </a:prstGeom>
+        </p:spPr>
+        <p:txBody>
+          <a:bodyPr anchorCtr="0" anchor="t" bIns="91425" lIns="91425" spcFirstLastPara="1" rIns="91425" wrap="square" tIns="91425">
+            <a:noAutofit/>
+          </a:bodyPr>
+          <a:lstStyle/>
+          <a:p>
+            <a:pPr indent="0" lvl="0" marL="0" rtl="0" algn="l">
+              <a:spcBef>
+                <a:spcPts val="0"/>
+              </a:spcBef>
+              <a:spcAft>
+                <a:spcPts val="0"/>
+              </a:spcAft>
+              <a:buNone/>
+            </a:pPr>
+            <a:r>
+              <a:t/>
+            </a:r>
+            <a:endParaRPr/>
+          </a:p>
+        </p:txBody>
+      </p:sp>
+    </p:spTree>
+  </p:cSld>
+  <p:clrMapOvr>
+    <a:masterClrMapping/>
+  </p:clrMapOvr>
+</p:notes>
+</file>
+
+<file path=ppt/notesSlides/notesSlide16.xml><?xml version="1.0" encoding="utf-8"?>
+<p:notes xmlns:a="http://schemas.openxmlformats.org/drawingml/2006/main" xmlns:r="http://schemas.openxmlformats.org/officeDocument/2006/relationships" xmlns:mc="http://schemas.openxmlformats.org/markup-compatibility/2006" xmlns:mv="urn:schemas-microsoft-com:mac:vml" xmlns:p="http://schemas.openxmlformats.org/presentationml/2006/main" xmlns:c="http://schemas.openxmlformats.org/drawingml/2006/chart" xmlns:dgm="http://schemas.openxmlformats.org/drawingml/2006/diagram" xmlns:o="urn:schemas-microsoft-com:office:office" xmlns:v="urn:schemas-microsoft-com:vml" xmlns:pvml="urn:schemas-microsoft-com:office:powerpoint" xmlns:com="http://schemas.openxmlformats.org/drawingml/2006/compatibility" xmlns:p14="http://schemas.microsoft.com/office/powerpoint/2010/main" xmlns:p15="http://schemas.microsoft.com/office/powerpoint/2012/main" xmlns:ahyp="http://schemas.microsoft.com/office/drawing/2018/hyperlinkcolor" showMasterPhAnim="0" showMasterSp="0">
+  <p:cSld>
+    <p:spTree>
+      <p:nvGrpSpPr>
+        <p:cNvPr id="175" name="Shape 175"/>
+        <p:cNvGrpSpPr/>
+        <p:nvPr/>
+      </p:nvGrpSpPr>
+      <p:grpSpPr>
+        <a:xfrm>
+          <a:off x="0" y="0"/>
+          <a:ext cx="0" cy="0"/>
+          <a:chOff x="0" y="0"/>
+          <a:chExt cx="0" cy="0"/>
+        </a:xfrm>
+      </p:grpSpPr>
+      <p:sp>
+        <p:nvSpPr>
+          <p:cNvPr id="176" name="Google Shape;176;g1251e9fde2d_0_5:notes"/>
+          <p:cNvSpPr/>
+          <p:nvPr>
+            <p:ph idx="2" type="sldImg"/>
+          </p:nvPr>
+        </p:nvSpPr>
+        <p:spPr>
+          <a:xfrm>
+            <a:off x="381300" y="685800"/>
+            <a:ext cx="6096000" cy="3429000"/>
+          </a:xfrm>
+          <a:custGeom>
+            <a:rect b="b" l="l" r="r" t="t"/>
+            <a:pathLst>
+              <a:path extrusionOk="0" h="120000" w="120000">
+                <a:moveTo>
+                  <a:pt x="0" y="0"/>
+                </a:moveTo>
+                <a:lnTo>
+                  <a:pt x="120000" y="0"/>
+                </a:lnTo>
+                <a:lnTo>
+                  <a:pt x="120000" y="120000"/>
+                </a:lnTo>
+                <a:lnTo>
+                  <a:pt x="0" y="120000"/>
+                </a:lnTo>
+                <a:close/>
+              </a:path>
+            </a:pathLst>
+          </a:custGeom>
+        </p:spPr>
+      </p:sp>
+      <p:sp>
+        <p:nvSpPr>
+          <p:cNvPr id="177" name="Google Shape;177;g1251e9fde2d_0_5:notes"/>
+          <p:cNvSpPr txBox="1"/>
+          <p:nvPr>
+            <p:ph idx="1" type="body"/>
+          </p:nvPr>
+        </p:nvSpPr>
+        <p:spPr>
+          <a:xfrm>
+            <a:off x="685800" y="4343400"/>
+            <a:ext cx="5486400" cy="4114800"/>
+          </a:xfrm>
+          <a:prstGeom prst="rect">
+            <a:avLst/>
+          </a:prstGeom>
+        </p:spPr>
+        <p:txBody>
+          <a:bodyPr anchorCtr="0" anchor="t" bIns="91425" lIns="91425" spcFirstLastPara="1" rIns="91425" wrap="square" tIns="91425">
+            <a:noAutofit/>
+          </a:bodyPr>
+          <a:lstStyle/>
+          <a:p>
+            <a:pPr indent="0" lvl="0" marL="0" rtl="0" algn="l">
+              <a:spcBef>
+                <a:spcPts val="0"/>
+              </a:spcBef>
+              <a:spcAft>
+                <a:spcPts val="0"/>
+              </a:spcAft>
+              <a:buNone/>
+            </a:pPr>
+            <a:r>
+              <a:t/>
+            </a:r>
+            <a:endParaRPr/>
+          </a:p>
+        </p:txBody>
+      </p:sp>
+    </p:spTree>
+  </p:cSld>
+  <p:clrMapOvr>
+    <a:masterClrMapping/>
+  </p:clrMapOvr>
+</p:notes>
+</file>
+
+<file path=ppt/notesSlides/notesSlide17.xml><?xml version="1.0" encoding="utf-8"?>
+<p:notes xmlns:a="http://schemas.openxmlformats.org/drawingml/2006/main" xmlns:r="http://schemas.openxmlformats.org/officeDocument/2006/relationships" xmlns:mc="http://schemas.openxmlformats.org/markup-compatibility/2006" xmlns:mv="urn:schemas-microsoft-com:mac:vml" xmlns:p="http://schemas.openxmlformats.org/presentationml/2006/main" xmlns:c="http://schemas.openxmlformats.org/drawingml/2006/chart" xmlns:dgm="http://schemas.openxmlformats.org/drawingml/2006/diagram" xmlns:o="urn:schemas-microsoft-com:office:office" xmlns:v="urn:schemas-microsoft-com:vml" xmlns:pvml="urn:schemas-microsoft-com:office:powerpoint" xmlns:com="http://schemas.openxmlformats.org/drawingml/2006/compatibility" xmlns:p14="http://schemas.microsoft.com/office/powerpoint/2010/main" xmlns:p15="http://schemas.microsoft.com/office/powerpoint/2012/main" xmlns:ahyp="http://schemas.microsoft.com/office/drawing/2018/hyperlinkcolor" showMasterPhAnim="0" showMasterSp="0">
+  <p:cSld>
+    <p:spTree>
+      <p:nvGrpSpPr>
+        <p:cNvPr id="182" name="Shape 182"/>
+        <p:cNvGrpSpPr/>
+        <p:nvPr/>
+      </p:nvGrpSpPr>
+      <p:grpSpPr>
+        <a:xfrm>
+          <a:off x="0" y="0"/>
+          <a:ext cx="0" cy="0"/>
+          <a:chOff x="0" y="0"/>
+          <a:chExt cx="0" cy="0"/>
+        </a:xfrm>
+      </p:grpSpPr>
+      <p:sp>
+        <p:nvSpPr>
+          <p:cNvPr id="183" name="Google Shape;183;g1251e9fde2d_0_12:notes"/>
+          <p:cNvSpPr/>
+          <p:nvPr>
+            <p:ph idx="2" type="sldImg"/>
+          </p:nvPr>
+        </p:nvSpPr>
+        <p:spPr>
+          <a:xfrm>
+            <a:off x="381300" y="685800"/>
+            <a:ext cx="6096000" cy="3429000"/>
+          </a:xfrm>
+          <a:custGeom>
+            <a:rect b="b" l="l" r="r" t="t"/>
+            <a:pathLst>
+              <a:path extrusionOk="0" h="120000" w="120000">
+                <a:moveTo>
+                  <a:pt x="0" y="0"/>
+                </a:moveTo>
+                <a:lnTo>
+                  <a:pt x="120000" y="0"/>
+                </a:lnTo>
+                <a:lnTo>
+                  <a:pt x="120000" y="120000"/>
+                </a:lnTo>
+                <a:lnTo>
+                  <a:pt x="0" y="120000"/>
+                </a:lnTo>
+                <a:close/>
+              </a:path>
+            </a:pathLst>
+          </a:custGeom>
+        </p:spPr>
+      </p:sp>
+      <p:sp>
+        <p:nvSpPr>
+          <p:cNvPr id="184" name="Google Shape;184;g1251e9fde2d_0_12:notes"/>
+          <p:cNvSpPr txBox="1"/>
+          <p:nvPr>
+            <p:ph idx="1" type="body"/>
+          </p:nvPr>
+        </p:nvSpPr>
+        <p:spPr>
+          <a:xfrm>
+            <a:off x="685800" y="4343400"/>
+            <a:ext cx="5486400" cy="4114800"/>
+          </a:xfrm>
+          <a:prstGeom prst="rect">
+            <a:avLst/>
+          </a:prstGeom>
+        </p:spPr>
+        <p:txBody>
+          <a:bodyPr anchorCtr="0" anchor="t" bIns="91425" lIns="91425" spcFirstLastPara="1" rIns="91425" wrap="square" tIns="91425">
+            <a:noAutofit/>
+          </a:bodyPr>
+          <a:lstStyle/>
+          <a:p>
+            <a:pPr indent="0" lvl="0" marL="0" rtl="0" algn="l">
+              <a:spcBef>
+                <a:spcPts val="0"/>
+              </a:spcBef>
+              <a:spcAft>
+                <a:spcPts val="0"/>
+              </a:spcAft>
+              <a:buNone/>
+            </a:pPr>
+            <a:r>
+              <a:t/>
+            </a:r>
+            <a:endParaRPr/>
+          </a:p>
+        </p:txBody>
+      </p:sp>
+    </p:spTree>
+  </p:cSld>
+  <p:clrMapOvr>
+    <a:masterClrMapping/>
+  </p:clrMapOvr>
+</p:notes>
+</file>
+
+<file path=ppt/notesSlides/notesSlide18.xml><?xml version="1.0" encoding="utf-8"?>
+<p:notes xmlns:a="http://schemas.openxmlformats.org/drawingml/2006/main" xmlns:r="http://schemas.openxmlformats.org/officeDocument/2006/relationships" xmlns:mc="http://schemas.openxmlformats.org/markup-compatibility/2006" xmlns:mv="urn:schemas-microsoft-com:mac:vml" xmlns:p="http://schemas.openxmlformats.org/presentationml/2006/main" xmlns:c="http://schemas.openxmlformats.org/drawingml/2006/chart" xmlns:dgm="http://schemas.openxmlformats.org/drawingml/2006/diagram" xmlns:o="urn:schemas-microsoft-com:office:office" xmlns:v="urn:schemas-microsoft-com:vml" xmlns:pvml="urn:schemas-microsoft-com:office:powerpoint" xmlns:com="http://schemas.openxmlformats.org/drawingml/2006/compatibility" xmlns:p14="http://schemas.microsoft.com/office/powerpoint/2010/main" xmlns:p15="http://schemas.microsoft.com/office/powerpoint/2012/main" xmlns:ahyp="http://schemas.microsoft.com/office/drawing/2018/hyperlinkcolor" showMasterPhAnim="0" showMasterSp="0">
+  <p:cSld>
+    <p:spTree>
+      <p:nvGrpSpPr>
+        <p:cNvPr id="189" name="Shape 189"/>
+        <p:cNvGrpSpPr/>
+        <p:nvPr/>
+      </p:nvGrpSpPr>
+      <p:grpSpPr>
+        <a:xfrm>
+          <a:off x="0" y="0"/>
+          <a:ext cx="0" cy="0"/>
+          <a:chOff x="0" y="0"/>
+          <a:chExt cx="0" cy="0"/>
+        </a:xfrm>
+      </p:grpSpPr>
+      <p:sp>
+        <p:nvSpPr>
+          <p:cNvPr id="190" name="Google Shape;190;g124da5a1032_0_160:notes"/>
+          <p:cNvSpPr/>
+          <p:nvPr>
+            <p:ph idx="2" type="sldImg"/>
+          </p:nvPr>
+        </p:nvSpPr>
+        <p:spPr>
+          <a:xfrm>
+            <a:off x="381300" y="685800"/>
+            <a:ext cx="6096000" cy="3429000"/>
+          </a:xfrm>
+          <a:custGeom>
+            <a:rect b="b" l="l" r="r" t="t"/>
+            <a:pathLst>
+              <a:path extrusionOk="0" h="120000" w="120000">
+                <a:moveTo>
+                  <a:pt x="0" y="0"/>
+                </a:moveTo>
+                <a:lnTo>
+                  <a:pt x="120000" y="0"/>
+                </a:lnTo>
+                <a:lnTo>
+                  <a:pt x="120000" y="120000"/>
+                </a:lnTo>
+                <a:lnTo>
+                  <a:pt x="0" y="120000"/>
+                </a:lnTo>
+                <a:close/>
+              </a:path>
+            </a:pathLst>
+          </a:custGeom>
+        </p:spPr>
+      </p:sp>
+      <p:sp>
+        <p:nvSpPr>
+          <p:cNvPr id="191" name="Google Shape;191;g124da5a1032_0_160:notes"/>
+          <p:cNvSpPr txBox="1"/>
+          <p:nvPr>
+            <p:ph idx="1" type="body"/>
+          </p:nvPr>
+        </p:nvSpPr>
+        <p:spPr>
+          <a:xfrm>
+            <a:off x="685800" y="4343400"/>
+            <a:ext cx="5486400" cy="4114800"/>
+          </a:xfrm>
+          <a:prstGeom prst="rect">
+            <a:avLst/>
+          </a:prstGeom>
+        </p:spPr>
+        <p:txBody>
+          <a:bodyPr anchorCtr="0" anchor="t" bIns="91425" lIns="91425" spcFirstLastPara="1" rIns="91425" wrap="square" tIns="91425">
+            <a:noAutofit/>
+          </a:bodyPr>
+          <a:lstStyle/>
+          <a:p>
+            <a:pPr indent="0" lvl="0" marL="0" rtl="0" algn="l">
+              <a:spcBef>
+                <a:spcPts val="0"/>
+              </a:spcBef>
+              <a:spcAft>
+                <a:spcPts val="0"/>
+              </a:spcAft>
+              <a:buNone/>
+            </a:pPr>
+            <a:r>
+              <a:t/>
+            </a:r>
+            <a:endParaRPr/>
+          </a:p>
+        </p:txBody>
+      </p:sp>
+    </p:spTree>
+  </p:cSld>
+  <p:clrMapOvr>
+    <a:masterClrMapping/>
+  </p:clrMapOvr>
+</p:notes>
+</file>
+
+<file path=ppt/notesSlides/notesSlide19.xml><?xml version="1.0" encoding="utf-8"?>
+<p:notes xmlns:a="http://schemas.openxmlformats.org/drawingml/2006/main" xmlns:r="http://schemas.openxmlformats.org/officeDocument/2006/relationships" xmlns:mc="http://schemas.openxmlformats.org/markup-compatibility/2006" xmlns:mv="urn:schemas-microsoft-com:mac:vml" xmlns:p="http://schemas.openxmlformats.org/presentationml/2006/main" xmlns:c="http://schemas.openxmlformats.org/drawingml/2006/chart" xmlns:dgm="http://schemas.openxmlformats.org/drawingml/2006/diagram" xmlns:o="urn:schemas-microsoft-com:office:office" xmlns:v="urn:schemas-microsoft-com:vml" xmlns:pvml="urn:schemas-microsoft-com:office:powerpoint" xmlns:com="http://schemas.openxmlformats.org/drawingml/2006/compatibility" xmlns:p14="http://schemas.microsoft.com/office/powerpoint/2010/main" xmlns:p15="http://schemas.microsoft.com/office/powerpoint/2012/main" xmlns:ahyp="http://schemas.microsoft.com/office/drawing/2018/hyperlinkcolor" showMasterPhAnim="0" showMasterSp="0">
+  <p:cSld>
+    <p:spTree>
+      <p:nvGrpSpPr>
+        <p:cNvPr id="195" name="Shape 195"/>
+        <p:cNvGrpSpPr/>
+        <p:nvPr/>
+      </p:nvGrpSpPr>
+      <p:grpSpPr>
+        <a:xfrm>
+          <a:off x="0" y="0"/>
+          <a:ext cx="0" cy="0"/>
+          <a:chOff x="0" y="0"/>
+          <a:chExt cx="0" cy="0"/>
+        </a:xfrm>
+      </p:grpSpPr>
+      <p:sp>
+        <p:nvSpPr>
+          <p:cNvPr id="196" name="Google Shape;196;g124da5a1032_0_155:notes"/>
+          <p:cNvSpPr/>
+          <p:nvPr>
+            <p:ph idx="2" type="sldImg"/>
+          </p:nvPr>
+        </p:nvSpPr>
+        <p:spPr>
+          <a:xfrm>
+            <a:off x="381300" y="685800"/>
+            <a:ext cx="6096000" cy="3429000"/>
+          </a:xfrm>
+          <a:custGeom>
+            <a:rect b="b" l="l" r="r" t="t"/>
+            <a:pathLst>
+              <a:path extrusionOk="0" h="120000" w="120000">
+                <a:moveTo>
+                  <a:pt x="0" y="0"/>
+                </a:moveTo>
+                <a:lnTo>
+                  <a:pt x="120000" y="0"/>
+                </a:lnTo>
+                <a:lnTo>
+                  <a:pt x="120000" y="120000"/>
+                </a:lnTo>
+                <a:lnTo>
+                  <a:pt x="0" y="120000"/>
+                </a:lnTo>
+                <a:close/>
+              </a:path>
+            </a:pathLst>
+          </a:custGeom>
+        </p:spPr>
+      </p:sp>
+      <p:sp>
+        <p:nvSpPr>
+          <p:cNvPr id="197" name="Google Shape;197;g124da5a1032_0_155:notes"/>
           <p:cNvSpPr txBox="1"/>
           <p:nvPr>
             <p:ph idx="1" type="body"/>
@@ -1464,6 +1865,105 @@
       <p:sp>
         <p:nvSpPr>
           <p:cNvPr id="90" name="Google Shape;90;g124da5a1032_0_83:notes"/>
+          <p:cNvSpPr txBox="1"/>
+          <p:nvPr>
+            <p:ph idx="1" type="body"/>
+          </p:nvPr>
+        </p:nvSpPr>
+        <p:spPr>
+          <a:xfrm>
+            <a:off x="685800" y="4343400"/>
+            <a:ext cx="5486400" cy="4114800"/>
+          </a:xfrm>
+          <a:prstGeom prst="rect">
+            <a:avLst/>
+          </a:prstGeom>
+        </p:spPr>
+        <p:txBody>
+          <a:bodyPr anchorCtr="0" anchor="t" bIns="91425" lIns="91425" spcFirstLastPara="1" rIns="91425" wrap="square" tIns="91425">
+            <a:noAutofit/>
+          </a:bodyPr>
+          <a:lstStyle/>
+          <a:p>
+            <a:pPr indent="0" lvl="0" marL="0" rtl="0" algn="l">
+              <a:spcBef>
+                <a:spcPts val="0"/>
+              </a:spcBef>
+              <a:spcAft>
+                <a:spcPts val="0"/>
+              </a:spcAft>
+              <a:buNone/>
+            </a:pPr>
+            <a:r>
+              <a:t/>
+            </a:r>
+            <a:endParaRPr/>
+          </a:p>
+        </p:txBody>
+      </p:sp>
+    </p:spTree>
+  </p:cSld>
+  <p:clrMapOvr>
+    <a:masterClrMapping/>
+  </p:clrMapOvr>
+</p:notes>
+</file>
+
+<file path=ppt/notesSlides/notesSlide20.xml><?xml version="1.0" encoding="utf-8"?>
+<p:notes xmlns:a="http://schemas.openxmlformats.org/drawingml/2006/main" xmlns:r="http://schemas.openxmlformats.org/officeDocument/2006/relationships" xmlns:mc="http://schemas.openxmlformats.org/markup-compatibility/2006" xmlns:mv="urn:schemas-microsoft-com:mac:vml" xmlns:p="http://schemas.openxmlformats.org/presentationml/2006/main" xmlns:c="http://schemas.openxmlformats.org/drawingml/2006/chart" xmlns:dgm="http://schemas.openxmlformats.org/drawingml/2006/diagram" xmlns:o="urn:schemas-microsoft-com:office:office" xmlns:v="urn:schemas-microsoft-com:vml" xmlns:pvml="urn:schemas-microsoft-com:office:powerpoint" xmlns:com="http://schemas.openxmlformats.org/drawingml/2006/compatibility" xmlns:p14="http://schemas.microsoft.com/office/powerpoint/2010/main" xmlns:p15="http://schemas.microsoft.com/office/powerpoint/2012/main" xmlns:ahyp="http://schemas.microsoft.com/office/drawing/2018/hyperlinkcolor" showMasterPhAnim="0" showMasterSp="0">
+  <p:cSld>
+    <p:spTree>
+      <p:nvGrpSpPr>
+        <p:cNvPr id="201" name="Shape 201"/>
+        <p:cNvGrpSpPr/>
+        <p:nvPr/>
+      </p:nvGrpSpPr>
+      <p:grpSpPr>
+        <a:xfrm>
+          <a:off x="0" y="0"/>
+          <a:ext cx="0" cy="0"/>
+          <a:chOff x="0" y="0"/>
+          <a:chExt cx="0" cy="0"/>
+        </a:xfrm>
+      </p:grpSpPr>
+      <p:sp>
+        <p:nvSpPr>
+          <p:cNvPr id="202" name="Google Shape;202;g124da5a1032_0_134:notes"/>
+          <p:cNvSpPr/>
+          <p:nvPr>
+            <p:ph idx="2" type="sldImg"/>
+          </p:nvPr>
+        </p:nvSpPr>
+        <p:spPr>
+          <a:xfrm>
+            <a:off x="381300" y="685800"/>
+            <a:ext cx="6096000" cy="3429000"/>
+          </a:xfrm>
+          <a:custGeom>
+            <a:rect b="b" l="l" r="r" t="t"/>
+            <a:pathLst>
+              <a:path extrusionOk="0" h="120000" w="120000">
+                <a:moveTo>
+                  <a:pt x="0" y="0"/>
+                </a:moveTo>
+                <a:lnTo>
+                  <a:pt x="120000" y="0"/>
+                </a:lnTo>
+                <a:lnTo>
+                  <a:pt x="120000" y="120000"/>
+                </a:lnTo>
+                <a:lnTo>
+                  <a:pt x="0" y="120000"/>
+                </a:lnTo>
+                <a:close/>
+              </a:path>
+            </a:pathLst>
+          </a:custGeom>
+        </p:spPr>
+      </p:sp>
+      <p:sp>
+        <p:nvSpPr>
+          <p:cNvPr id="203" name="Google Shape;203;g124da5a1032_0_134:notes"/>
           <p:cNvSpPr txBox="1"/>
           <p:nvPr>
             <p:ph idx="1" type="body"/>
@@ -9074,7 +9574,7 @@
                   <a:srgbClr val="212529"/>
                 </a:solidFill>
               </a:rPr>
-              <a:t>Replicate the same experiments</a:t>
+              <a:t>Replicate the same/similar experiments</a:t>
             </a:r>
             <a:endParaRPr>
               <a:solidFill>
@@ -9583,7 +10083,7 @@
                 <a:cs typeface="Times New Roman"/>
                 <a:sym typeface="Times New Roman"/>
               </a:rPr>
-              <a:t>We even tried to use the Ubuntu VM and allocated 40GB of Memory…Still failed.</a:t>
+              <a:t>We even tried to use the Ubuntu VM and allocated 60GB of Memory…Still failed.</a:t>
             </a:r>
             <a:endParaRPr sz="1200">
               <a:solidFill>
@@ -9655,8 +10155,7 @@
               <a:buNone/>
             </a:pPr>
             <a:r>
-              <a:rPr lang="en"/>
-              <a:t>What was actually accomplished</a:t>
+              <a:t/>
             </a:r>
             <a:endParaRPr/>
           </a:p>
@@ -9690,66 +10189,45 @@
                 <a:spcPts val="0"/>
               </a:spcBef>
               <a:spcAft>
-                <a:spcPts val="0"/>
+                <a:spcPts val="1200"/>
               </a:spcAft>
               <a:buNone/>
             </a:pPr>
             <a:r>
-              <a:rPr lang="en">
-                <a:solidFill>
-                  <a:srgbClr val="212529"/>
-                </a:solidFill>
-              </a:rPr>
-              <a:t>We were able to successfully install Autobot, but when </a:t>
+              <a:t/>
             </a:r>
-            <a:r>
-              <a:rPr lang="en">
-                <a:solidFill>
-                  <a:srgbClr val="212529"/>
-                </a:solidFill>
-              </a:rPr>
-              <a:t>trying</a:t>
-            </a:r>
-            <a:r>
-              <a:rPr lang="en">
-                <a:solidFill>
-                  <a:srgbClr val="212529"/>
-                </a:solidFill>
-              </a:rPr>
-              <a:t> to replicate their experiments, our systems just were not powerful enough. </a:t>
-            </a:r>
-            <a:endParaRPr>
-              <a:solidFill>
-                <a:srgbClr val="212529"/>
-              </a:solidFill>
-            </a:endParaRPr>
-          </a:p>
-          <a:p>
-            <a:pPr indent="0" lvl="0" marL="0" rtl="0" algn="l">
-              <a:spcBef>
-                <a:spcPts val="1200"/>
-              </a:spcBef>
-              <a:spcAft>
-                <a:spcPts val="1200"/>
-              </a:spcAft>
-              <a:buNone/>
-            </a:pPr>
-            <a:r>
-              <a:rPr lang="en">
-                <a:solidFill>
-                  <a:srgbClr val="212529"/>
-                </a:solidFill>
-              </a:rPr>
-              <a:t>We were not able to fully train our Autobot again due to system requirements.</a:t>
-            </a:r>
-            <a:endParaRPr>
-              <a:solidFill>
-                <a:srgbClr val="212529"/>
-              </a:solidFill>
-            </a:endParaRPr>
+            <a:endParaRPr/>
           </a:p>
         </p:txBody>
       </p:sp>
+      <p:pic>
+        <p:nvPicPr>
+          <p:cNvPr id="169" name="Google Shape;169;p26"/>
+          <p:cNvPicPr preferRelativeResize="0"/>
+          <p:nvPr/>
+        </p:nvPicPr>
+        <p:blipFill>
+          <a:blip r:embed="rId3">
+            <a:alphaModFix/>
+          </a:blip>
+          <a:stretch>
+            <a:fillRect/>
+          </a:stretch>
+        </p:blipFill>
+        <p:spPr>
+          <a:xfrm>
+            <a:off x="0" y="359420"/>
+            <a:ext cx="9144003" cy="4424661"/>
+          </a:xfrm>
+          <a:prstGeom prst="rect">
+            <a:avLst/>
+          </a:prstGeom>
+          <a:noFill/>
+          <a:ln>
+            <a:noFill/>
+          </a:ln>
+        </p:spPr>
+      </p:pic>
     </p:spTree>
   </p:cSld>
   <p:clrMapOvr>
@@ -9763,7 +10241,60 @@
   <p:cSld>
     <p:spTree>
       <p:nvGrpSpPr>
-        <p:cNvPr id="172" name="Shape 172"/>
+        <p:cNvPr id="173" name="Shape 173"/>
+        <p:cNvGrpSpPr/>
+        <p:nvPr/>
+      </p:nvGrpSpPr>
+      <p:grpSpPr>
+        <a:xfrm>
+          <a:off x="0" y="0"/>
+          <a:ext cx="0" cy="0"/>
+          <a:chOff x="0" y="0"/>
+          <a:chExt cx="0" cy="0"/>
+        </a:xfrm>
+      </p:grpSpPr>
+      <p:pic>
+        <p:nvPicPr>
+          <p:cNvPr id="174" name="Google Shape;174;p27"/>
+          <p:cNvPicPr preferRelativeResize="0"/>
+          <p:nvPr/>
+        </p:nvPicPr>
+        <p:blipFill>
+          <a:blip r:embed="rId3">
+            <a:alphaModFix/>
+          </a:blip>
+          <a:stretch>
+            <a:fillRect/>
+          </a:stretch>
+        </p:blipFill>
+        <p:spPr>
+          <a:xfrm>
+            <a:off x="191500" y="1763237"/>
+            <a:ext cx="8761001" cy="1617025"/>
+          </a:xfrm>
+          <a:prstGeom prst="rect">
+            <a:avLst/>
+          </a:prstGeom>
+          <a:noFill/>
+          <a:ln>
+            <a:noFill/>
+          </a:ln>
+        </p:spPr>
+      </p:pic>
+    </p:spTree>
+  </p:cSld>
+  <p:clrMapOvr>
+    <a:masterClrMapping/>
+  </p:clrMapOvr>
+</p:sld>
+</file>
+
+<file path=ppt/slides/slide16.xml><?xml version="1.0" encoding="utf-8"?>
+<p:sld xmlns:a="http://schemas.openxmlformats.org/drawingml/2006/main" xmlns:r="http://schemas.openxmlformats.org/officeDocument/2006/relationships" xmlns:mc="http://schemas.openxmlformats.org/markup-compatibility/2006" xmlns:mv="urn:schemas-microsoft-com:mac:vml" xmlns:p="http://schemas.openxmlformats.org/presentationml/2006/main" xmlns:c="http://schemas.openxmlformats.org/drawingml/2006/chart" xmlns:dgm="http://schemas.openxmlformats.org/drawingml/2006/diagram" xmlns:o="urn:schemas-microsoft-com:office:office" xmlns:v="urn:schemas-microsoft-com:vml" xmlns:pvml="urn:schemas-microsoft-com:office:powerpoint" xmlns:com="http://schemas.openxmlformats.org/drawingml/2006/compatibility" xmlns:p14="http://schemas.microsoft.com/office/powerpoint/2010/main" xmlns:p15="http://schemas.microsoft.com/office/powerpoint/2012/main" xmlns:ahyp="http://schemas.microsoft.com/office/drawing/2018/hyperlinkcolor">
+  <p:cSld>
+    <p:spTree>
+      <p:nvGrpSpPr>
+        <p:cNvPr id="178" name="Shape 178"/>
         <p:cNvGrpSpPr/>
         <p:nvPr/>
       </p:nvGrpSpPr>
@@ -9777,7 +10308,7 @@
       </p:grpSpPr>
       <p:sp>
         <p:nvSpPr>
-          <p:cNvPr id="173" name="Google Shape;173;p27"/>
+          <p:cNvPr id="179" name="Google Shape;179;p28"/>
           <p:cNvSpPr txBox="1"/>
           <p:nvPr>
             <p:ph type="title"/>
@@ -9808,8 +10339,7 @@
               <a:buNone/>
             </a:pPr>
             <a:r>
-              <a:rPr lang="en"/>
-              <a:t>Resources</a:t>
+              <a:t/>
             </a:r>
             <a:endParaRPr/>
           </a:p>
@@ -9817,7 +10347,7 @@
       </p:sp>
       <p:sp>
         <p:nvSpPr>
-          <p:cNvPr id="174" name="Google Shape;174;p27"/>
+          <p:cNvPr id="180" name="Google Shape;180;p28"/>
           <p:cNvSpPr txBox="1"/>
           <p:nvPr>
             <p:ph idx="1" type="body"/>
@@ -9834,7 +10364,7 @@
         </p:spPr>
         <p:txBody>
           <a:bodyPr anchorCtr="0" anchor="t" bIns="91425" lIns="91425" spcFirstLastPara="1" rIns="91425" wrap="square" tIns="91425">
-            <a:normAutofit lnSpcReduction="20000"/>
+            <a:normAutofit/>
           </a:bodyPr>
           <a:lstStyle/>
           <a:p>
@@ -9843,22 +10373,278 @@
                 <a:spcPts val="0"/>
               </a:spcBef>
               <a:spcAft>
-                <a:spcPts val="0"/>
+                <a:spcPts val="1200"/>
               </a:spcAft>
               <a:buNone/>
             </a:pPr>
             <a:r>
-              <a:rPr lang="en" sz="1100" u="sng">
-                <a:solidFill>
-                  <a:schemeClr val="hlink"/>
-                </a:solidFill>
-                <a:latin typeface="Arial"/>
-                <a:ea typeface="Arial"/>
-                <a:cs typeface="Arial"/>
-                <a:sym typeface="Arial"/>
-                <a:hlinkClick r:id="rId3"/>
-              </a:rPr>
-              <a:t>Sentence Bottleneck Autoencoders from Transformer Language Models (aclanthology.org)</a:t>
+              <a:t/>
+            </a:r>
+            <a:endParaRPr/>
+          </a:p>
+        </p:txBody>
+      </p:sp>
+      <p:pic>
+        <p:nvPicPr>
+          <p:cNvPr id="181" name="Google Shape;181;p28"/>
+          <p:cNvPicPr preferRelativeResize="0"/>
+          <p:nvPr/>
+        </p:nvPicPr>
+        <p:blipFill rotWithShape="1">
+          <a:blip r:embed="rId3">
+            <a:alphaModFix/>
+          </a:blip>
+          <a:srcRect b="4979" l="0" r="0" t="0"/>
+          <a:stretch/>
+        </p:blipFill>
+        <p:spPr>
+          <a:xfrm>
+            <a:off x="1800" y="128075"/>
+            <a:ext cx="9144000" cy="4887351"/>
+          </a:xfrm>
+          <a:prstGeom prst="rect">
+            <a:avLst/>
+          </a:prstGeom>
+          <a:noFill/>
+          <a:ln>
+            <a:noFill/>
+          </a:ln>
+        </p:spPr>
+      </p:pic>
+    </p:spTree>
+  </p:cSld>
+  <p:clrMapOvr>
+    <a:masterClrMapping/>
+  </p:clrMapOvr>
+</p:sld>
+</file>
+
+<file path=ppt/slides/slide17.xml><?xml version="1.0" encoding="utf-8"?>
+<p:sld xmlns:a="http://schemas.openxmlformats.org/drawingml/2006/main" xmlns:r="http://schemas.openxmlformats.org/officeDocument/2006/relationships" xmlns:mc="http://schemas.openxmlformats.org/markup-compatibility/2006" xmlns:mv="urn:schemas-microsoft-com:mac:vml" xmlns:p="http://schemas.openxmlformats.org/presentationml/2006/main" xmlns:c="http://schemas.openxmlformats.org/drawingml/2006/chart" xmlns:dgm="http://schemas.openxmlformats.org/drawingml/2006/diagram" xmlns:o="urn:schemas-microsoft-com:office:office" xmlns:v="urn:schemas-microsoft-com:vml" xmlns:pvml="urn:schemas-microsoft-com:office:powerpoint" xmlns:com="http://schemas.openxmlformats.org/drawingml/2006/compatibility" xmlns:p14="http://schemas.microsoft.com/office/powerpoint/2010/main" xmlns:p15="http://schemas.microsoft.com/office/powerpoint/2012/main" xmlns:ahyp="http://schemas.microsoft.com/office/drawing/2018/hyperlinkcolor">
+  <p:cSld>
+    <p:spTree>
+      <p:nvGrpSpPr>
+        <p:cNvPr id="185" name="Shape 185"/>
+        <p:cNvGrpSpPr/>
+        <p:nvPr/>
+      </p:nvGrpSpPr>
+      <p:grpSpPr>
+        <a:xfrm>
+          <a:off x="0" y="0"/>
+          <a:ext cx="0" cy="0"/>
+          <a:chOff x="0" y="0"/>
+          <a:chExt cx="0" cy="0"/>
+        </a:xfrm>
+      </p:grpSpPr>
+      <p:sp>
+        <p:nvSpPr>
+          <p:cNvPr id="186" name="Google Shape;186;p29"/>
+          <p:cNvSpPr txBox="1"/>
+          <p:nvPr>
+            <p:ph type="title"/>
+          </p:nvPr>
+        </p:nvSpPr>
+        <p:spPr>
+          <a:xfrm>
+            <a:off x="729450" y="1318650"/>
+            <a:ext cx="7688700" cy="535200"/>
+          </a:xfrm>
+          <a:prstGeom prst="rect">
+            <a:avLst/>
+          </a:prstGeom>
+        </p:spPr>
+        <p:txBody>
+          <a:bodyPr anchorCtr="0" anchor="t" bIns="91425" lIns="91425" spcFirstLastPara="1" rIns="91425" wrap="square" tIns="91425">
+            <a:normAutofit fontScale="90000"/>
+          </a:bodyPr>
+          <a:lstStyle/>
+          <a:p>
+            <a:pPr indent="0" lvl="0" marL="0" rtl="0" algn="l">
+              <a:spcBef>
+                <a:spcPts val="0"/>
+              </a:spcBef>
+              <a:spcAft>
+                <a:spcPts val="0"/>
+              </a:spcAft>
+              <a:buNone/>
+            </a:pPr>
+            <a:r>
+              <a:t/>
+            </a:r>
+            <a:endParaRPr/>
+          </a:p>
+        </p:txBody>
+      </p:sp>
+      <p:sp>
+        <p:nvSpPr>
+          <p:cNvPr id="187" name="Google Shape;187;p29"/>
+          <p:cNvSpPr txBox="1"/>
+          <p:nvPr>
+            <p:ph idx="1" type="body"/>
+          </p:nvPr>
+        </p:nvSpPr>
+        <p:spPr>
+          <a:xfrm>
+            <a:off x="729450" y="2078875"/>
+            <a:ext cx="7688700" cy="2261100"/>
+          </a:xfrm>
+          <a:prstGeom prst="rect">
+            <a:avLst/>
+          </a:prstGeom>
+        </p:spPr>
+        <p:txBody>
+          <a:bodyPr anchorCtr="0" anchor="t" bIns="91425" lIns="91425" spcFirstLastPara="1" rIns="91425" wrap="square" tIns="91425">
+            <a:normAutofit/>
+          </a:bodyPr>
+          <a:lstStyle/>
+          <a:p>
+            <a:pPr indent="0" lvl="0" marL="0" rtl="0" algn="l">
+              <a:spcBef>
+                <a:spcPts val="0"/>
+              </a:spcBef>
+              <a:spcAft>
+                <a:spcPts val="1200"/>
+              </a:spcAft>
+              <a:buNone/>
+            </a:pPr>
+            <a:r>
+              <a:t/>
+            </a:r>
+            <a:endParaRPr/>
+          </a:p>
+        </p:txBody>
+      </p:sp>
+      <p:pic>
+        <p:nvPicPr>
+          <p:cNvPr id="188" name="Google Shape;188;p29"/>
+          <p:cNvPicPr preferRelativeResize="0"/>
+          <p:nvPr/>
+        </p:nvPicPr>
+        <p:blipFill rotWithShape="1">
+          <a:blip r:embed="rId3">
+            <a:alphaModFix/>
+          </a:blip>
+          <a:srcRect b="4979" l="0" r="0" t="0"/>
+          <a:stretch/>
+        </p:blipFill>
+        <p:spPr>
+          <a:xfrm>
+            <a:off x="1800" y="128075"/>
+            <a:ext cx="9144000" cy="4887351"/>
+          </a:xfrm>
+          <a:prstGeom prst="rect">
+            <a:avLst/>
+          </a:prstGeom>
+          <a:noFill/>
+          <a:ln>
+            <a:noFill/>
+          </a:ln>
+        </p:spPr>
+      </p:pic>
+    </p:spTree>
+  </p:cSld>
+  <p:clrMapOvr>
+    <a:masterClrMapping/>
+  </p:clrMapOvr>
+</p:sld>
+</file>
+
+<file path=ppt/slides/slide18.xml><?xml version="1.0" encoding="utf-8"?>
+<p:sld xmlns:a="http://schemas.openxmlformats.org/drawingml/2006/main" xmlns:r="http://schemas.openxmlformats.org/officeDocument/2006/relationships" xmlns:mc="http://schemas.openxmlformats.org/markup-compatibility/2006" xmlns:mv="urn:schemas-microsoft-com:mac:vml" xmlns:p="http://schemas.openxmlformats.org/presentationml/2006/main" xmlns:c="http://schemas.openxmlformats.org/drawingml/2006/chart" xmlns:dgm="http://schemas.openxmlformats.org/drawingml/2006/diagram" xmlns:o="urn:schemas-microsoft-com:office:office" xmlns:v="urn:schemas-microsoft-com:vml" xmlns:pvml="urn:schemas-microsoft-com:office:powerpoint" xmlns:com="http://schemas.openxmlformats.org/drawingml/2006/compatibility" xmlns:p14="http://schemas.microsoft.com/office/powerpoint/2010/main" xmlns:p15="http://schemas.microsoft.com/office/powerpoint/2012/main" xmlns:ahyp="http://schemas.microsoft.com/office/drawing/2018/hyperlinkcolor">
+  <p:cSld>
+    <p:spTree>
+      <p:nvGrpSpPr>
+        <p:cNvPr id="192" name="Shape 192"/>
+        <p:cNvGrpSpPr/>
+        <p:nvPr/>
+      </p:nvGrpSpPr>
+      <p:grpSpPr>
+        <a:xfrm>
+          <a:off x="0" y="0"/>
+          <a:ext cx="0" cy="0"/>
+          <a:chOff x="0" y="0"/>
+          <a:chExt cx="0" cy="0"/>
+        </a:xfrm>
+      </p:grpSpPr>
+      <p:sp>
+        <p:nvSpPr>
+          <p:cNvPr id="193" name="Google Shape;193;p30"/>
+          <p:cNvSpPr txBox="1"/>
+          <p:nvPr>
+            <p:ph type="title"/>
+          </p:nvPr>
+        </p:nvSpPr>
+        <p:spPr>
+          <a:xfrm>
+            <a:off x="729450" y="1318650"/>
+            <a:ext cx="7688700" cy="535200"/>
+          </a:xfrm>
+          <a:prstGeom prst="rect">
+            <a:avLst/>
+          </a:prstGeom>
+        </p:spPr>
+        <p:txBody>
+          <a:bodyPr anchorCtr="0" anchor="t" bIns="91425" lIns="91425" spcFirstLastPara="1" rIns="91425" wrap="square" tIns="91425">
+            <a:normAutofit fontScale="90000"/>
+          </a:bodyPr>
+          <a:lstStyle/>
+          <a:p>
+            <a:pPr indent="0" lvl="0" marL="0" rtl="0" algn="l">
+              <a:spcBef>
+                <a:spcPts val="0"/>
+              </a:spcBef>
+              <a:spcAft>
+                <a:spcPts val="0"/>
+              </a:spcAft>
+              <a:buNone/>
+            </a:pPr>
+            <a:r>
+              <a:rPr lang="en"/>
+              <a:t>Main Problems</a:t>
+            </a:r>
+            <a:endParaRPr/>
+          </a:p>
+        </p:txBody>
+      </p:sp>
+      <p:sp>
+        <p:nvSpPr>
+          <p:cNvPr id="194" name="Google Shape;194;p30"/>
+          <p:cNvSpPr txBox="1"/>
+          <p:nvPr>
+            <p:ph idx="1" type="body"/>
+          </p:nvPr>
+        </p:nvSpPr>
+        <p:spPr>
+          <a:xfrm>
+            <a:off x="729450" y="2078875"/>
+            <a:ext cx="7688700" cy="2261100"/>
+          </a:xfrm>
+          <a:prstGeom prst="rect">
+            <a:avLst/>
+          </a:prstGeom>
+        </p:spPr>
+        <p:txBody>
+          <a:bodyPr anchorCtr="0" anchor="t" bIns="91425" lIns="91425" spcFirstLastPara="1" rIns="91425" wrap="square" tIns="91425">
+            <a:normAutofit/>
+          </a:bodyPr>
+          <a:lstStyle/>
+          <a:p>
+            <a:pPr indent="0" lvl="0" marL="0" rtl="0" algn="l">
+              <a:spcBef>
+                <a:spcPts val="0"/>
+              </a:spcBef>
+              <a:spcAft>
+                <a:spcPts val="0"/>
+              </a:spcAft>
+              <a:buNone/>
+            </a:pPr>
+            <a:r>
+              <a:rPr lang="en"/>
+              <a:t>Constant</a:t>
+            </a:r>
+            <a:r>
+              <a:rPr lang="en"/>
+              <a:t> system crashes</a:t>
             </a:r>
             <a:endParaRPr/>
           </a:p>
@@ -9873,17 +10659,8 @@
               <a:buNone/>
             </a:pPr>
             <a:r>
-              <a:rPr lang="en" sz="1100" u="sng">
-                <a:solidFill>
-                  <a:schemeClr val="hlink"/>
-                </a:solidFill>
-                <a:latin typeface="Arial"/>
-                <a:ea typeface="Arial"/>
-                <a:cs typeface="Arial"/>
-                <a:sym typeface="Arial"/>
-                <a:hlinkClick r:id="rId4"/>
-              </a:rPr>
-              <a:t>glue  |  TensorFlow Datasets</a:t>
+              <a:rPr lang="en"/>
+              <a:t>Compiling errors</a:t>
             </a:r>
             <a:endParaRPr/>
           </a:p>
@@ -9893,29 +10670,69 @@
                 <a:spcPts val="1200"/>
               </a:spcBef>
               <a:spcAft>
-                <a:spcPts val="0"/>
+                <a:spcPts val="1200"/>
               </a:spcAft>
               <a:buNone/>
             </a:pPr>
             <a:r>
-              <a:rPr lang="en" sz="1100" u="sng">
-                <a:solidFill>
-                  <a:schemeClr val="hlink"/>
-                </a:solidFill>
-                <a:latin typeface="Arial"/>
-                <a:ea typeface="Arial"/>
-                <a:cs typeface="Arial"/>
-                <a:sym typeface="Arial"/>
-                <a:hlinkClick r:id="rId5"/>
-              </a:rPr>
-              <a:t>gsarti/change_it · Datasets at Hugging Face</a:t>
+              <a:rPr lang="en"/>
+              <a:t>Testing errors</a:t>
             </a:r>
             <a:endParaRPr/>
           </a:p>
+        </p:txBody>
+      </p:sp>
+    </p:spTree>
+  </p:cSld>
+  <p:clrMapOvr>
+    <a:masterClrMapping/>
+  </p:clrMapOvr>
+</p:sld>
+</file>
+
+<file path=ppt/slides/slide19.xml><?xml version="1.0" encoding="utf-8"?>
+<p:sld xmlns:a="http://schemas.openxmlformats.org/drawingml/2006/main" xmlns:r="http://schemas.openxmlformats.org/officeDocument/2006/relationships" xmlns:mc="http://schemas.openxmlformats.org/markup-compatibility/2006" xmlns:mv="urn:schemas-microsoft-com:mac:vml" xmlns:p="http://schemas.openxmlformats.org/presentationml/2006/main" xmlns:c="http://schemas.openxmlformats.org/drawingml/2006/chart" xmlns:dgm="http://schemas.openxmlformats.org/drawingml/2006/diagram" xmlns:o="urn:schemas-microsoft-com:office:office" xmlns:v="urn:schemas-microsoft-com:vml" xmlns:pvml="urn:schemas-microsoft-com:office:powerpoint" xmlns:com="http://schemas.openxmlformats.org/drawingml/2006/compatibility" xmlns:p14="http://schemas.microsoft.com/office/powerpoint/2010/main" xmlns:p15="http://schemas.microsoft.com/office/powerpoint/2012/main" xmlns:ahyp="http://schemas.microsoft.com/office/drawing/2018/hyperlinkcolor">
+  <p:cSld>
+    <p:spTree>
+      <p:nvGrpSpPr>
+        <p:cNvPr id="198" name="Shape 198"/>
+        <p:cNvGrpSpPr/>
+        <p:nvPr/>
+      </p:nvGrpSpPr>
+      <p:grpSpPr>
+        <a:xfrm>
+          <a:off x="0" y="0"/>
+          <a:ext cx="0" cy="0"/>
+          <a:chOff x="0" y="0"/>
+          <a:chExt cx="0" cy="0"/>
+        </a:xfrm>
+      </p:grpSpPr>
+      <p:sp>
+        <p:nvSpPr>
+          <p:cNvPr id="199" name="Google Shape;199;p31"/>
+          <p:cNvSpPr txBox="1"/>
+          <p:nvPr>
+            <p:ph type="title"/>
+          </p:nvPr>
+        </p:nvSpPr>
+        <p:spPr>
+          <a:xfrm>
+            <a:off x="729450" y="1318650"/>
+            <a:ext cx="7688700" cy="535200"/>
+          </a:xfrm>
+          <a:prstGeom prst="rect">
+            <a:avLst/>
+          </a:prstGeom>
+        </p:spPr>
+        <p:txBody>
+          <a:bodyPr anchorCtr="0" anchor="t" bIns="91425" lIns="91425" spcFirstLastPara="1" rIns="91425" wrap="square" tIns="91425">
+            <a:normAutofit fontScale="90000"/>
+          </a:bodyPr>
+          <a:lstStyle/>
           <a:p>
             <a:pPr indent="0" lvl="0" marL="0" rtl="0" algn="l">
               <a:spcBef>
-                <a:spcPts val="1200"/>
+                <a:spcPts val="0"/>
               </a:spcBef>
               <a:spcAft>
                 <a:spcPts val="0"/>
@@ -9923,28 +10740,39 @@
               <a:buNone/>
             </a:pPr>
             <a:r>
-              <a:rPr lang="en" sz="1100" u="sng">
-                <a:solidFill>
-                  <a:schemeClr val="hlink"/>
-                </a:solidFill>
-                <a:latin typeface="Arial"/>
-                <a:ea typeface="Arial"/>
-                <a:cs typeface="Arial"/>
-                <a:sym typeface="Arial"/>
-                <a:hlinkClick r:id="rId6"/>
-              </a:rPr>
-              <a:t>glue · Datasets at Hugging Face</a:t>
-            </a:r>
-            <a:r>
               <a:rPr lang="en"/>
-              <a:t> </a:t>
+              <a:t>What was actually accomplished</a:t>
             </a:r>
             <a:endParaRPr/>
           </a:p>
+        </p:txBody>
+      </p:sp>
+      <p:sp>
+        <p:nvSpPr>
+          <p:cNvPr id="200" name="Google Shape;200;p31"/>
+          <p:cNvSpPr txBox="1"/>
+          <p:nvPr>
+            <p:ph idx="1" type="body"/>
+          </p:nvPr>
+        </p:nvSpPr>
+        <p:spPr>
+          <a:xfrm>
+            <a:off x="729450" y="2078875"/>
+            <a:ext cx="7688700" cy="2261100"/>
+          </a:xfrm>
+          <a:prstGeom prst="rect">
+            <a:avLst/>
+          </a:prstGeom>
+        </p:spPr>
+        <p:txBody>
+          <a:bodyPr anchorCtr="0" anchor="t" bIns="91425" lIns="91425" spcFirstLastPara="1" rIns="91425" wrap="square" tIns="91425">
+            <a:normAutofit/>
+          </a:bodyPr>
+          <a:lstStyle/>
           <a:p>
             <a:pPr indent="0" lvl="0" marL="0" rtl="0" algn="l">
               <a:spcBef>
-                <a:spcPts val="1200"/>
+                <a:spcPts val="0"/>
               </a:spcBef>
               <a:spcAft>
                 <a:spcPts val="0"/>
@@ -9952,19 +10780,34 @@
               <a:buNone/>
             </a:pPr>
             <a:r>
-              <a:rPr lang="en" sz="1100" u="sng">
-                <a:solidFill>
-                  <a:schemeClr val="hlink"/>
-                </a:solidFill>
-                <a:latin typeface="Arial"/>
-                <a:ea typeface="Arial"/>
-                <a:cs typeface="Arial"/>
-                <a:sym typeface="Arial"/>
-                <a:hlinkClick r:id="rId7"/>
+              <a:rPr lang="en">
+                <a:solidFill>
+                  <a:srgbClr val="212529"/>
+                </a:solidFill>
               </a:rPr>
-              <a:t>ivanmontero/autobot: Implementation of the paper 'Sentence Bottleneck Autoencoders from Transformer Language Models' (github.com)</a:t>
+              <a:t>We were able to successfully install Autobot, but when </a:t>
             </a:r>
-            <a:endParaRPr/>
+            <a:r>
+              <a:rPr lang="en">
+                <a:solidFill>
+                  <a:srgbClr val="212529"/>
+                </a:solidFill>
+              </a:rPr>
+              <a:t>trying</a:t>
+            </a:r>
+            <a:r>
+              <a:rPr lang="en">
+                <a:solidFill>
+                  <a:srgbClr val="212529"/>
+                </a:solidFill>
+              </a:rPr>
+              <a:t> to replicate their experiments, our systems just were not powerful enough. </a:t>
+            </a:r>
+            <a:endParaRPr>
+              <a:solidFill>
+                <a:srgbClr val="212529"/>
+              </a:solidFill>
+            </a:endParaRPr>
           </a:p>
           <a:p>
             <a:pPr indent="0" lvl="0" marL="0" rtl="0" algn="l">
@@ -9977,9 +10820,18 @@
               <a:buNone/>
             </a:pPr>
             <a:r>
-              <a:t/>
+              <a:rPr lang="en">
+                <a:solidFill>
+                  <a:srgbClr val="212529"/>
+                </a:solidFill>
+              </a:rPr>
+              <a:t>We were not able to fully train our Autobot again due to system requirements.</a:t>
             </a:r>
-            <a:endParaRPr/>
+            <a:endParaRPr>
+              <a:solidFill>
+                <a:srgbClr val="212529"/>
+              </a:solidFill>
+            </a:endParaRPr>
           </a:p>
         </p:txBody>
       </p:sp>
@@ -10139,6 +10991,239 @@
               <a:cs typeface="Times New Roman"/>
               <a:sym typeface="Times New Roman"/>
             </a:endParaRPr>
+          </a:p>
+          <a:p>
+            <a:pPr indent="0" lvl="0" marL="0" rtl="0" algn="l">
+              <a:spcBef>
+                <a:spcPts val="1200"/>
+              </a:spcBef>
+              <a:spcAft>
+                <a:spcPts val="1200"/>
+              </a:spcAft>
+              <a:buNone/>
+            </a:pPr>
+            <a:r>
+              <a:t/>
+            </a:r>
+            <a:endParaRPr/>
+          </a:p>
+        </p:txBody>
+      </p:sp>
+    </p:spTree>
+  </p:cSld>
+  <p:clrMapOvr>
+    <a:masterClrMapping/>
+  </p:clrMapOvr>
+</p:sld>
+</file>
+
+<file path=ppt/slides/slide20.xml><?xml version="1.0" encoding="utf-8"?>
+<p:sld xmlns:a="http://schemas.openxmlformats.org/drawingml/2006/main" xmlns:r="http://schemas.openxmlformats.org/officeDocument/2006/relationships" xmlns:mc="http://schemas.openxmlformats.org/markup-compatibility/2006" xmlns:mv="urn:schemas-microsoft-com:mac:vml" xmlns:p="http://schemas.openxmlformats.org/presentationml/2006/main" xmlns:c="http://schemas.openxmlformats.org/drawingml/2006/chart" xmlns:dgm="http://schemas.openxmlformats.org/drawingml/2006/diagram" xmlns:o="urn:schemas-microsoft-com:office:office" xmlns:v="urn:schemas-microsoft-com:vml" xmlns:pvml="urn:schemas-microsoft-com:office:powerpoint" xmlns:com="http://schemas.openxmlformats.org/drawingml/2006/compatibility" xmlns:p14="http://schemas.microsoft.com/office/powerpoint/2010/main" xmlns:p15="http://schemas.microsoft.com/office/powerpoint/2012/main" xmlns:ahyp="http://schemas.microsoft.com/office/drawing/2018/hyperlinkcolor">
+  <p:cSld>
+    <p:spTree>
+      <p:nvGrpSpPr>
+        <p:cNvPr id="204" name="Shape 204"/>
+        <p:cNvGrpSpPr/>
+        <p:nvPr/>
+      </p:nvGrpSpPr>
+      <p:grpSpPr>
+        <a:xfrm>
+          <a:off x="0" y="0"/>
+          <a:ext cx="0" cy="0"/>
+          <a:chOff x="0" y="0"/>
+          <a:chExt cx="0" cy="0"/>
+        </a:xfrm>
+      </p:grpSpPr>
+      <p:sp>
+        <p:nvSpPr>
+          <p:cNvPr id="205" name="Google Shape;205;p32"/>
+          <p:cNvSpPr txBox="1"/>
+          <p:nvPr>
+            <p:ph type="title"/>
+          </p:nvPr>
+        </p:nvSpPr>
+        <p:spPr>
+          <a:xfrm>
+            <a:off x="729450" y="1318650"/>
+            <a:ext cx="7688700" cy="535200"/>
+          </a:xfrm>
+          <a:prstGeom prst="rect">
+            <a:avLst/>
+          </a:prstGeom>
+        </p:spPr>
+        <p:txBody>
+          <a:bodyPr anchorCtr="0" anchor="t" bIns="91425" lIns="91425" spcFirstLastPara="1" rIns="91425" wrap="square" tIns="91425">
+            <a:normAutofit fontScale="90000"/>
+          </a:bodyPr>
+          <a:lstStyle/>
+          <a:p>
+            <a:pPr indent="0" lvl="0" marL="0" rtl="0" algn="l">
+              <a:spcBef>
+                <a:spcPts val="0"/>
+              </a:spcBef>
+              <a:spcAft>
+                <a:spcPts val="0"/>
+              </a:spcAft>
+              <a:buNone/>
+            </a:pPr>
+            <a:r>
+              <a:rPr lang="en"/>
+              <a:t>Resources</a:t>
+            </a:r>
+            <a:endParaRPr/>
+          </a:p>
+        </p:txBody>
+      </p:sp>
+      <p:sp>
+        <p:nvSpPr>
+          <p:cNvPr id="206" name="Google Shape;206;p32"/>
+          <p:cNvSpPr txBox="1"/>
+          <p:nvPr>
+            <p:ph idx="1" type="body"/>
+          </p:nvPr>
+        </p:nvSpPr>
+        <p:spPr>
+          <a:xfrm>
+            <a:off x="729450" y="2078875"/>
+            <a:ext cx="7688700" cy="2261100"/>
+          </a:xfrm>
+          <a:prstGeom prst="rect">
+            <a:avLst/>
+          </a:prstGeom>
+        </p:spPr>
+        <p:txBody>
+          <a:bodyPr anchorCtr="0" anchor="t" bIns="91425" lIns="91425" spcFirstLastPara="1" rIns="91425" wrap="square" tIns="91425">
+            <a:normAutofit lnSpcReduction="20000"/>
+          </a:bodyPr>
+          <a:lstStyle/>
+          <a:p>
+            <a:pPr indent="0" lvl="0" marL="0" rtl="0" algn="l">
+              <a:spcBef>
+                <a:spcPts val="0"/>
+              </a:spcBef>
+              <a:spcAft>
+                <a:spcPts val="0"/>
+              </a:spcAft>
+              <a:buNone/>
+            </a:pPr>
+            <a:r>
+              <a:rPr lang="en" sz="1100" u="sng">
+                <a:solidFill>
+                  <a:schemeClr val="hlink"/>
+                </a:solidFill>
+                <a:latin typeface="Arial"/>
+                <a:ea typeface="Arial"/>
+                <a:cs typeface="Arial"/>
+                <a:sym typeface="Arial"/>
+                <a:hlinkClick r:id="rId3"/>
+              </a:rPr>
+              <a:t>Sentence Bottleneck Autoencoders from Transformer Language Models (aclanthology.org)</a:t>
+            </a:r>
+            <a:endParaRPr/>
+          </a:p>
+          <a:p>
+            <a:pPr indent="0" lvl="0" marL="0" rtl="0" algn="l">
+              <a:spcBef>
+                <a:spcPts val="1200"/>
+              </a:spcBef>
+              <a:spcAft>
+                <a:spcPts val="0"/>
+              </a:spcAft>
+              <a:buNone/>
+            </a:pPr>
+            <a:r>
+              <a:rPr lang="en" sz="1100" u="sng">
+                <a:solidFill>
+                  <a:schemeClr val="hlink"/>
+                </a:solidFill>
+                <a:latin typeface="Arial"/>
+                <a:ea typeface="Arial"/>
+                <a:cs typeface="Arial"/>
+                <a:sym typeface="Arial"/>
+                <a:hlinkClick r:id="rId4"/>
+              </a:rPr>
+              <a:t>glue  |  TensorFlow Datasets</a:t>
+            </a:r>
+            <a:endParaRPr/>
+          </a:p>
+          <a:p>
+            <a:pPr indent="0" lvl="0" marL="0" rtl="0" algn="l">
+              <a:spcBef>
+                <a:spcPts val="1200"/>
+              </a:spcBef>
+              <a:spcAft>
+                <a:spcPts val="0"/>
+              </a:spcAft>
+              <a:buNone/>
+            </a:pPr>
+            <a:r>
+              <a:rPr lang="en" sz="1100" u="sng">
+                <a:solidFill>
+                  <a:schemeClr val="hlink"/>
+                </a:solidFill>
+                <a:latin typeface="Arial"/>
+                <a:ea typeface="Arial"/>
+                <a:cs typeface="Arial"/>
+                <a:sym typeface="Arial"/>
+                <a:hlinkClick r:id="rId5"/>
+              </a:rPr>
+              <a:t>gsarti/change_it · Datasets at Hugging Face</a:t>
+            </a:r>
+            <a:endParaRPr/>
+          </a:p>
+          <a:p>
+            <a:pPr indent="0" lvl="0" marL="0" rtl="0" algn="l">
+              <a:spcBef>
+                <a:spcPts val="1200"/>
+              </a:spcBef>
+              <a:spcAft>
+                <a:spcPts val="0"/>
+              </a:spcAft>
+              <a:buNone/>
+            </a:pPr>
+            <a:r>
+              <a:rPr lang="en" sz="1100" u="sng">
+                <a:solidFill>
+                  <a:schemeClr val="hlink"/>
+                </a:solidFill>
+                <a:latin typeface="Arial"/>
+                <a:ea typeface="Arial"/>
+                <a:cs typeface="Arial"/>
+                <a:sym typeface="Arial"/>
+                <a:hlinkClick r:id="rId6"/>
+              </a:rPr>
+              <a:t>glue · Datasets at Hugging Face</a:t>
+            </a:r>
+            <a:r>
+              <a:rPr lang="en"/>
+              <a:t> </a:t>
+            </a:r>
+            <a:endParaRPr/>
+          </a:p>
+          <a:p>
+            <a:pPr indent="0" lvl="0" marL="0" rtl="0" algn="l">
+              <a:spcBef>
+                <a:spcPts val="1200"/>
+              </a:spcBef>
+              <a:spcAft>
+                <a:spcPts val="0"/>
+              </a:spcAft>
+              <a:buNone/>
+            </a:pPr>
+            <a:r>
+              <a:rPr lang="en" sz="1100" u="sng">
+                <a:solidFill>
+                  <a:schemeClr val="hlink"/>
+                </a:solidFill>
+                <a:latin typeface="Arial"/>
+                <a:ea typeface="Arial"/>
+                <a:cs typeface="Arial"/>
+                <a:sym typeface="Arial"/>
+                <a:hlinkClick r:id="rId7"/>
+              </a:rPr>
+              <a:t>ivanmontero/autobot: Implementation of the paper 'Sentence Bottleneck Autoencoders from Transformer Language Models' (github.com)</a:t>
+            </a:r>
+            <a:endParaRPr/>
           </a:p>
           <a:p>
             <a:pPr indent="0" lvl="0" marL="0" rtl="0" algn="l">
